--- a/new_SE401/Lectures/8-Integration, System and Regression Testing/Regression Testing.pptx
+++ b/new_SE401/Lectures/8-Integration, System and Regression Testing/Regression Testing.pptx
@@ -5,24 +5,26 @@
     <p:sldMasterId id="2147483648" r:id="rId1"/>
   </p:sldMasterIdLst>
   <p:notesMasterIdLst>
-    <p:notesMasterId r:id="rId17"/>
+    <p:notesMasterId r:id="rId19"/>
   </p:notesMasterIdLst>
   <p:sldIdLst>
     <p:sldId id="256" r:id="rId2"/>
     <p:sldId id="257" r:id="rId3"/>
     <p:sldId id="258" r:id="rId4"/>
     <p:sldId id="259" r:id="rId5"/>
-    <p:sldId id="260" r:id="rId6"/>
-    <p:sldId id="261" r:id="rId7"/>
-    <p:sldId id="262" r:id="rId8"/>
-    <p:sldId id="263" r:id="rId9"/>
-    <p:sldId id="264" r:id="rId10"/>
-    <p:sldId id="265" r:id="rId11"/>
-    <p:sldId id="266" r:id="rId12"/>
-    <p:sldId id="267" r:id="rId13"/>
-    <p:sldId id="268" r:id="rId14"/>
-    <p:sldId id="269" r:id="rId15"/>
-    <p:sldId id="270" r:id="rId16"/>
+    <p:sldId id="271" r:id="rId6"/>
+    <p:sldId id="260" r:id="rId7"/>
+    <p:sldId id="261" r:id="rId8"/>
+    <p:sldId id="262" r:id="rId9"/>
+    <p:sldId id="272" r:id="rId10"/>
+    <p:sldId id="263" r:id="rId11"/>
+    <p:sldId id="264" r:id="rId12"/>
+    <p:sldId id="265" r:id="rId13"/>
+    <p:sldId id="266" r:id="rId14"/>
+    <p:sldId id="267" r:id="rId15"/>
+    <p:sldId id="268" r:id="rId16"/>
+    <p:sldId id="269" r:id="rId17"/>
+    <p:sldId id="270" r:id="rId18"/>
   </p:sldIdLst>
   <p:sldSz cx="12192000" cy="6858000"/>
   <p:notesSz cx="6858000" cy="9144000"/>
@@ -211,7 +213,7 @@
           <a:p>
             <a:fld id="{D425CA40-1F43-4B04-8119-24C4A91E8DF8}" type="datetimeFigureOut">
               <a:rPr lang="en-US" smtClean="0"/>
-              <a:t>10/18/2021</a:t>
+              <a:t>11/28/2021</a:t>
             </a:fld>
             <a:endParaRPr lang="en-US"/>
           </a:p>
@@ -800,7 +802,7 @@
               <a:pPr>
                 <a:defRPr/>
               </a:pPr>
-              <a:t>6</a:t>
+              <a:t>7</a:t>
             </a:fld>
             <a:r>
               <a:rPr lang="en-US" smtClean="0"/>
@@ -972,7 +974,7 @@
               <a:pPr>
                 <a:defRPr/>
               </a:pPr>
-              <a:t>11</a:t>
+              <a:t>13</a:t>
             </a:fld>
             <a:r>
               <a:rPr lang="en-US" smtClean="0"/>
@@ -1252,7 +1254,7 @@
                 <a:latin typeface="Verdana" charset="0"/>
               </a:rPr>
               <a:pPr algn="r" eaLnBrk="1" hangingPunct="1"/>
-              <a:t>12</a:t>
+              <a:t>14</a:t>
             </a:fld>
             <a:endParaRPr lang="en-US" sz="1200" dirty="0">
               <a:latin typeface="Verdana" charset="0"/>
@@ -1361,7 +1363,7 @@
               <a:pPr>
                 <a:defRPr/>
               </a:pPr>
-              <a:t>12</a:t>
+              <a:t>14</a:t>
             </a:fld>
             <a:r>
               <a:rPr lang="en-US" smtClean="0"/>
@@ -1558,7 +1560,7 @@
                 <a:latin typeface="Verdana" charset="0"/>
               </a:rPr>
               <a:pPr algn="r" eaLnBrk="1" hangingPunct="1"/>
-              <a:t>15</a:t>
+              <a:t>17</a:t>
             </a:fld>
             <a:endParaRPr lang="en-US" sz="1200" dirty="0">
               <a:latin typeface="Verdana" charset="0"/>
@@ -1729,7 +1731,7 @@
               <a:pPr>
                 <a:defRPr/>
               </a:pPr>
-              <a:t>15</a:t>
+              <a:t>17</a:t>
             </a:fld>
             <a:r>
               <a:rPr lang="en-US" smtClean="0"/>
@@ -1889,7 +1891,7 @@
           <a:p>
             <a:fld id="{1762ABB0-9C33-46E9-9040-C8DBD02A66D6}" type="datetime1">
               <a:rPr lang="en-US" smtClean="0"/>
-              <a:t>10/18/2021</a:t>
+              <a:t>11/28/2021</a:t>
             </a:fld>
             <a:endParaRPr lang="en-US"/>
           </a:p>
@@ -2140,7 +2142,7 @@
           <a:p>
             <a:fld id="{26274CFA-052A-439E-AC5D-EE8FECF7E6BA}" type="datetime1">
               <a:rPr lang="en-US" smtClean="0"/>
-              <a:t>10/18/2021</a:t>
+              <a:t>11/28/2021</a:t>
             </a:fld>
             <a:endParaRPr lang="en-US"/>
           </a:p>
@@ -2320,7 +2322,7 @@
           <a:p>
             <a:fld id="{D1FF16E3-1616-4A9B-A7D6-944F0DFE607D}" type="datetime1">
               <a:rPr lang="en-US" smtClean="0"/>
-              <a:t>10/18/2021</a:t>
+              <a:t>11/28/2021</a:t>
             </a:fld>
             <a:endParaRPr lang="en-US"/>
           </a:p>
@@ -2576,7 +2578,7 @@
           <a:p>
             <a:fld id="{9C461D4E-32B2-4A09-BDAF-A7DC31DCE015}" type="datetime1">
               <a:rPr lang="en-US" smtClean="0"/>
-              <a:t>10/18/2021</a:t>
+              <a:t>11/28/2021</a:t>
             </a:fld>
             <a:endParaRPr lang="en-US"/>
           </a:p>
@@ -2921,7 +2923,7 @@
           <a:p>
             <a:fld id="{C622A65B-DBEE-4B5D-ADD4-0408E6CF91BE}" type="datetime1">
               <a:rPr lang="en-US" smtClean="0"/>
-              <a:t>10/18/2021</a:t>
+              <a:t>11/28/2021</a:t>
             </a:fld>
             <a:endParaRPr lang="en-US"/>
           </a:p>
@@ -3153,7 +3155,7 @@
           <a:p>
             <a:fld id="{C1226FAB-BC71-46D6-8E60-B5EF709E6B3E}" type="datetime1">
               <a:rPr lang="en-US" smtClean="0"/>
-              <a:t>10/18/2021</a:t>
+              <a:t>11/28/2021</a:t>
             </a:fld>
             <a:endParaRPr lang="en-US"/>
           </a:p>
@@ -3520,7 +3522,7 @@
           <a:p>
             <a:fld id="{F0FAF8B4-0EEB-4BDD-9BE3-1BEAFFF7E104}" type="datetime1">
               <a:rPr lang="en-US" smtClean="0"/>
-              <a:t>10/18/2021</a:t>
+              <a:t>11/28/2021</a:t>
             </a:fld>
             <a:endParaRPr lang="en-US"/>
           </a:p>
@@ -3615,7 +3617,7 @@
           <a:p>
             <a:fld id="{4240C3B3-7017-414B-B631-5E70B539FFD9}" type="datetime1">
               <a:rPr lang="en-US" smtClean="0"/>
-              <a:t>10/18/2021</a:t>
+              <a:t>11/28/2021</a:t>
             </a:fld>
             <a:endParaRPr lang="en-US"/>
           </a:p>
@@ -3838,7 +3840,7 @@
             <a:fld id="{B2F5E2FA-C428-4CE7-95B0-168D3259A5BB}" type="datetimeFigureOut">
               <a:rPr lang="en-US" smtClean="0"/>
               <a:pPr/>
-              <a:t>10/18/2021</a:t>
+              <a:t>11/28/2021</a:t>
             </a:fld>
             <a:endParaRPr lang="en-US"/>
           </a:p>
@@ -4009,7 +4011,7 @@
           <a:p>
             <a:fld id="{3CE13EBE-9097-48AA-9B97-081EC0E6D47D}" type="datetime1">
               <a:rPr lang="en-US" smtClean="0"/>
-              <a:t>10/18/2021</a:t>
+              <a:t>11/28/2021</a:t>
             </a:fld>
             <a:endParaRPr lang="en-US"/>
           </a:p>
@@ -4286,7 +4288,7 @@
           <a:p>
             <a:fld id="{585DE9A9-5BCF-4A60-BFC6-07722981491A}" type="datetime1">
               <a:rPr lang="en-US" smtClean="0"/>
-              <a:t>10/18/2021</a:t>
+              <a:t>11/28/2021</a:t>
             </a:fld>
             <a:endParaRPr lang="en-US"/>
           </a:p>
@@ -4539,7 +4541,7 @@
           <a:p>
             <a:fld id="{7370B3F9-B1B5-4195-A66C-A530CF73F3EF}" type="datetime1">
               <a:rPr lang="en-US" smtClean="0"/>
-              <a:t>10/18/2021</a:t>
+              <a:t>11/28/2021</a:t>
             </a:fld>
             <a:endParaRPr lang="en-US"/>
           </a:p>
@@ -4752,7 +4754,7 @@
           <a:p>
             <a:fld id="{E3696B99-04BB-4AC7-ACA0-D38EC29DA974}" type="datetime1">
               <a:rPr lang="en-US" smtClean="0"/>
-              <a:t>10/18/2021</a:t>
+              <a:t>11/28/2021</a:t>
             </a:fld>
             <a:endParaRPr lang="en-US"/>
           </a:p>
@@ -5177,7 +5179,6 @@
               <a:rPr lang="en-US" dirty="0"/>
               <a:t>Regression Testing</a:t>
             </a:r>
-            <a:endParaRPr lang="en-US" dirty="0"/>
           </a:p>
         </p:txBody>
       </p:sp>
@@ -5196,7 +5197,10 @@
           <a:bodyPr/>
           <a:lstStyle/>
           <a:p>
-            <a:endParaRPr lang="en-US"/>
+            <a:r>
+              <a:rPr lang="en-US"/>
+              <a:t>SE401: Software Quality Assurance and Testing</a:t>
+            </a:r>
           </a:p>
         </p:txBody>
       </p:sp>
@@ -5255,7 +5259,7 @@
       </p:grpSpPr>
       <p:sp>
         <p:nvSpPr>
-          <p:cNvPr id="40964" name="Title 1"/>
+          <p:cNvPr id="38916" name="Title 1"/>
           <p:cNvSpPr>
             <a:spLocks noGrp="1"/>
           </p:cNvSpPr>
@@ -5265,90 +5269,79 @@
         </p:nvSpPr>
         <p:spPr/>
         <p:txBody>
-          <a:bodyPr/>
-          <a:lstStyle/>
-          <a:p>
+          <a:bodyPr anchor="ctr"/>
+          <a:lstStyle/>
+          <a:p>
+            <a:r>
+              <a:rPr lang="en-US" dirty="0"/>
+              <a:t>Basic Problems of </a:t>
+            </a:r>
             <a:r>
               <a:rPr lang="en-US" dirty="0" smtClean="0"/>
-              <a:t>Obsolete and Redundant</a:t>
-            </a:r>
-            <a:endParaRPr lang="en-US" dirty="0"/>
-          </a:p>
-        </p:txBody>
-      </p:sp>
-      <p:sp>
-        <p:nvSpPr>
-          <p:cNvPr id="40965" name="Content Placeholder 2"/>
-          <p:cNvSpPr>
-            <a:spLocks noGrp="1"/>
-          </p:cNvSpPr>
-          <p:nvPr>
-            <p:ph type="body" idx="1"/>
-          </p:nvPr>
-        </p:nvSpPr>
-        <p:spPr>
-          <a:xfrm>
-            <a:off x="838200" y="1825625"/>
-            <a:ext cx="10664952" cy="4351338"/>
-          </a:xfrm>
-        </p:spPr>
-        <p:txBody>
-          <a:bodyPr/>
-          <a:lstStyle/>
-          <a:p>
-            <a:r>
-              <a:rPr lang="en-US" dirty="0" smtClean="0"/>
-              <a:t>Obsolete: A test case that is not longer valid</a:t>
-            </a:r>
-          </a:p>
-          <a:p>
-            <a:pPr lvl="1"/>
-            <a:r>
-              <a:rPr lang="en-US" dirty="0" smtClean="0"/>
-              <a:t>Tests features that have been modified, substituted, or removed</a:t>
-            </a:r>
-          </a:p>
-          <a:p>
-            <a:pPr lvl="1"/>
-            <a:r>
-              <a:rPr lang="en-US" dirty="0" smtClean="0"/>
-              <a:t>Should be removed from the test suite</a:t>
-            </a:r>
-          </a:p>
-          <a:p>
-            <a:r>
-              <a:rPr lang="en-US" dirty="0" smtClean="0"/>
-              <a:t>Redundant: A test case that does not differ significantly from others</a:t>
-            </a:r>
-          </a:p>
-          <a:p>
-            <a:pPr lvl="1"/>
-            <a:r>
-              <a:rPr lang="en-US" dirty="0" smtClean="0"/>
-              <a:t>Unlikely to find a fault missed by similar test cases</a:t>
-            </a:r>
-          </a:p>
-          <a:p>
-            <a:pPr lvl="1"/>
-            <a:r>
-              <a:rPr lang="en-US" dirty="0" smtClean="0"/>
-              <a:t>Has some cost in re-execution</a:t>
-            </a:r>
-          </a:p>
-          <a:p>
-            <a:pPr lvl="1"/>
-            <a:r>
-              <a:rPr lang="en-US" dirty="0" smtClean="0"/>
-              <a:t>Has some (maybe more) cost in human effort to maintain</a:t>
-            </a:r>
-          </a:p>
-          <a:p>
-            <a:pPr lvl="1"/>
-            <a:r>
-              <a:rPr lang="en-US" dirty="0" smtClean="0"/>
-              <a:t>May or may not be removed, depending on costs</a:t>
-            </a:r>
-            <a:endParaRPr lang="en-US" dirty="0"/>
+              <a:t>Regression </a:t>
+            </a:r>
+            <a:r>
+              <a:rPr lang="en-US" dirty="0"/>
+              <a:t>Test</a:t>
+            </a:r>
+          </a:p>
+        </p:txBody>
+      </p:sp>
+      <p:sp>
+        <p:nvSpPr>
+          <p:cNvPr id="38917" name="Content Placeholder 2"/>
+          <p:cNvSpPr>
+            <a:spLocks noGrp="1"/>
+          </p:cNvSpPr>
+          <p:nvPr>
+            <p:ph idx="1"/>
+          </p:nvPr>
+        </p:nvSpPr>
+        <p:spPr/>
+        <p:txBody>
+          <a:bodyPr/>
+          <a:lstStyle/>
+          <a:p>
+            <a:pPr marL="342900" indent="-342900"/>
+            <a:r>
+              <a:rPr lang="en-US" sz="3200" dirty="0"/>
+              <a:t>Maintaining test suite</a:t>
+            </a:r>
+          </a:p>
+          <a:p>
+            <a:pPr marL="742950" lvl="1" indent="-285750"/>
+            <a:r>
+              <a:rPr lang="en-US" sz="2800" dirty="0"/>
+              <a:t>If I change feature X, how many test cases must be revised because they use feature X?</a:t>
+            </a:r>
+          </a:p>
+          <a:p>
+            <a:pPr marL="742950" lvl="1" indent="-285750"/>
+            <a:r>
+              <a:rPr lang="en-US" sz="2800" dirty="0"/>
+              <a:t>Which test cases should be removed or replaced? Which test cases should be added?</a:t>
+            </a:r>
+          </a:p>
+          <a:p>
+            <a:pPr marL="342900" indent="-342900"/>
+            <a:r>
+              <a:rPr lang="en-US" sz="3200" dirty="0"/>
+              <a:t>Cost of re-testing</a:t>
+            </a:r>
+          </a:p>
+          <a:p>
+            <a:pPr marL="742950" lvl="1" indent="-285750"/>
+            <a:r>
+              <a:rPr lang="en-US" sz="2800" dirty="0"/>
+              <a:t>Often proportional to product size, not change size</a:t>
+            </a:r>
+          </a:p>
+          <a:p>
+            <a:pPr marL="742950" lvl="1" indent="-285750"/>
+            <a:r>
+              <a:rPr lang="en-US" sz="2800" dirty="0"/>
+              <a:t>Big problem if testing requires manual effort</a:t>
+            </a:r>
           </a:p>
         </p:txBody>
       </p:sp>
@@ -5378,7 +5371,7 @@
     </p:spTree>
     <p:extLst>
       <p:ext uri="{BB962C8B-B14F-4D97-AF65-F5344CB8AC3E}">
-        <p14:creationId xmlns:p14="http://schemas.microsoft.com/office/powerpoint/2010/main" val="2712353801"/>
+        <p14:creationId xmlns:p14="http://schemas.microsoft.com/office/powerpoint/2010/main" val="2254257231"/>
       </p:ext>
     </p:extLst>
   </p:cSld>
@@ -5414,6 +5407,311 @@
       </p:grpSpPr>
       <p:sp>
         <p:nvSpPr>
+          <p:cNvPr id="39940" name="Title 1"/>
+          <p:cNvSpPr>
+            <a:spLocks noGrp="1"/>
+          </p:cNvSpPr>
+          <p:nvPr>
+            <p:ph type="title"/>
+          </p:nvPr>
+        </p:nvSpPr>
+        <p:spPr/>
+        <p:txBody>
+          <a:bodyPr/>
+          <a:lstStyle/>
+          <a:p>
+            <a:r>
+              <a:rPr lang="en-US" dirty="0" smtClean="0"/>
+              <a:t>Test Case Maintenance</a:t>
+            </a:r>
+            <a:endParaRPr lang="en-US" dirty="0"/>
+          </a:p>
+        </p:txBody>
+      </p:sp>
+      <p:sp>
+        <p:nvSpPr>
+          <p:cNvPr id="39941" name="Content Placeholder 2"/>
+          <p:cNvSpPr>
+            <a:spLocks noGrp="1"/>
+          </p:cNvSpPr>
+          <p:nvPr>
+            <p:ph type="body" idx="1"/>
+          </p:nvPr>
+        </p:nvSpPr>
+        <p:spPr/>
+        <p:txBody>
+          <a:bodyPr/>
+          <a:lstStyle/>
+          <a:p>
+            <a:r>
+              <a:rPr lang="en-US" dirty="0" smtClean="0"/>
+              <a:t>Some maintenance is inevitable</a:t>
+            </a:r>
+          </a:p>
+          <a:p>
+            <a:pPr lvl="1"/>
+            <a:r>
+              <a:rPr lang="en-US" dirty="0" smtClean="0"/>
+              <a:t>If feature X has changed, test cases for feature X will require updating</a:t>
+            </a:r>
+          </a:p>
+          <a:p>
+            <a:r>
+              <a:rPr lang="en-US" dirty="0" smtClean="0"/>
+              <a:t>Some maintenance should be avoided</a:t>
+            </a:r>
+          </a:p>
+          <a:p>
+            <a:pPr lvl="1"/>
+            <a:r>
+              <a:rPr lang="en-US" dirty="0" smtClean="0"/>
+              <a:t>Example: Trivial changes to user interface or file format should not invalidate large numbers of test cases</a:t>
+            </a:r>
+          </a:p>
+          <a:p>
+            <a:r>
+              <a:rPr lang="en-US" dirty="0" smtClean="0"/>
+              <a:t>Test suites should be modular! </a:t>
+            </a:r>
+          </a:p>
+          <a:p>
+            <a:pPr lvl="1"/>
+            <a:r>
+              <a:rPr lang="en-US" dirty="0" smtClean="0"/>
+              <a:t>Avoid unnecessary dependence</a:t>
+            </a:r>
+          </a:p>
+          <a:p>
+            <a:pPr lvl="1"/>
+            <a:r>
+              <a:rPr lang="en-US" dirty="0" smtClean="0"/>
+              <a:t>Generating concrete test cases from test case specifications can help</a:t>
+            </a:r>
+            <a:endParaRPr lang="en-US" dirty="0"/>
+          </a:p>
+        </p:txBody>
+      </p:sp>
+      <p:sp>
+        <p:nvSpPr>
+          <p:cNvPr id="2" name="Slide Number Placeholder 1"/>
+          <p:cNvSpPr>
+            <a:spLocks noGrp="1"/>
+          </p:cNvSpPr>
+          <p:nvPr>
+            <p:ph type="sldNum" sz="quarter" idx="12"/>
+          </p:nvPr>
+        </p:nvSpPr>
+        <p:spPr/>
+        <p:txBody>
+          <a:bodyPr/>
+          <a:lstStyle/>
+          <a:p>
+            <a:fld id="{B543A0FD-1CA6-4228-86A2-78061B4844C8}" type="slidenum">
+              <a:rPr lang="en-US" smtClean="0"/>
+              <a:t>11</a:t>
+            </a:fld>
+            <a:endParaRPr lang="en-US"/>
+          </a:p>
+        </p:txBody>
+      </p:sp>
+    </p:spTree>
+    <p:extLst>
+      <p:ext uri="{BB962C8B-B14F-4D97-AF65-F5344CB8AC3E}">
+        <p14:creationId xmlns:p14="http://schemas.microsoft.com/office/powerpoint/2010/main" val="1999594997"/>
+      </p:ext>
+    </p:extLst>
+  </p:cSld>
+  <p:clrMapOvr>
+    <a:masterClrMapping/>
+  </p:clrMapOvr>
+  <p:timing>
+    <p:tnLst>
+      <p:par>
+        <p:cTn id="1" dur="indefinite" restart="never" nodeType="tmRoot"/>
+      </p:par>
+    </p:tnLst>
+  </p:timing>
+</p:sld>
+</file>
+
+<file path=ppt/slides/slide12.xml><?xml version="1.0" encoding="utf-8"?>
+<p:sld xmlns:a="http://schemas.openxmlformats.org/drawingml/2006/main" xmlns:r="http://schemas.openxmlformats.org/officeDocument/2006/relationships" xmlns:p="http://schemas.openxmlformats.org/presentationml/2006/main">
+  <p:cSld>
+    <p:spTree>
+      <p:nvGrpSpPr>
+        <p:cNvPr id="1" name=""/>
+        <p:cNvGrpSpPr/>
+        <p:nvPr/>
+      </p:nvGrpSpPr>
+      <p:grpSpPr>
+        <a:xfrm>
+          <a:off x="0" y="0"/>
+          <a:ext cx="0" cy="0"/>
+          <a:chOff x="0" y="0"/>
+          <a:chExt cx="0" cy="0"/>
+        </a:xfrm>
+      </p:grpSpPr>
+      <p:sp>
+        <p:nvSpPr>
+          <p:cNvPr id="40964" name="Title 1"/>
+          <p:cNvSpPr>
+            <a:spLocks noGrp="1"/>
+          </p:cNvSpPr>
+          <p:nvPr>
+            <p:ph type="title"/>
+          </p:nvPr>
+        </p:nvSpPr>
+        <p:spPr/>
+        <p:txBody>
+          <a:bodyPr/>
+          <a:lstStyle/>
+          <a:p>
+            <a:r>
+              <a:rPr lang="en-US" dirty="0" smtClean="0"/>
+              <a:t>Obsolete and Redundant</a:t>
+            </a:r>
+            <a:endParaRPr lang="en-US" dirty="0"/>
+          </a:p>
+        </p:txBody>
+      </p:sp>
+      <p:sp>
+        <p:nvSpPr>
+          <p:cNvPr id="40965" name="Content Placeholder 2"/>
+          <p:cNvSpPr>
+            <a:spLocks noGrp="1"/>
+          </p:cNvSpPr>
+          <p:nvPr>
+            <p:ph type="body" idx="1"/>
+          </p:nvPr>
+        </p:nvSpPr>
+        <p:spPr>
+          <a:xfrm>
+            <a:off x="838200" y="1825625"/>
+            <a:ext cx="10664952" cy="4351338"/>
+          </a:xfrm>
+        </p:spPr>
+        <p:txBody>
+          <a:bodyPr/>
+          <a:lstStyle/>
+          <a:p>
+            <a:r>
+              <a:rPr lang="en-US" dirty="0" smtClean="0"/>
+              <a:t>Obsolete: A test case that is not longer valid</a:t>
+            </a:r>
+          </a:p>
+          <a:p>
+            <a:pPr lvl="1"/>
+            <a:r>
+              <a:rPr lang="en-US" dirty="0" smtClean="0"/>
+              <a:t>Tests features that have been modified, substituted, or removed</a:t>
+            </a:r>
+          </a:p>
+          <a:p>
+            <a:pPr lvl="1"/>
+            <a:r>
+              <a:rPr lang="en-US" dirty="0" smtClean="0"/>
+              <a:t>Should be removed from the test suite</a:t>
+            </a:r>
+          </a:p>
+          <a:p>
+            <a:r>
+              <a:rPr lang="en-US" dirty="0" smtClean="0"/>
+              <a:t>Redundant: A test case that does not differ significantly from others</a:t>
+            </a:r>
+          </a:p>
+          <a:p>
+            <a:pPr lvl="1"/>
+            <a:r>
+              <a:rPr lang="en-US" dirty="0" smtClean="0"/>
+              <a:t>Unlikely to find a fault missed by similar test cases</a:t>
+            </a:r>
+          </a:p>
+          <a:p>
+            <a:pPr lvl="1"/>
+            <a:r>
+              <a:rPr lang="en-US" dirty="0" smtClean="0"/>
+              <a:t>Has some cost in re-execution</a:t>
+            </a:r>
+          </a:p>
+          <a:p>
+            <a:pPr lvl="1"/>
+            <a:r>
+              <a:rPr lang="en-US" dirty="0" smtClean="0"/>
+              <a:t>Has some (maybe more) cost in human effort to maintain</a:t>
+            </a:r>
+          </a:p>
+          <a:p>
+            <a:pPr lvl="1"/>
+            <a:r>
+              <a:rPr lang="en-US" dirty="0" smtClean="0"/>
+              <a:t>May or may not be removed, depending on costs</a:t>
+            </a:r>
+            <a:endParaRPr lang="en-US" dirty="0"/>
+          </a:p>
+        </p:txBody>
+      </p:sp>
+      <p:sp>
+        <p:nvSpPr>
+          <p:cNvPr id="2" name="Slide Number Placeholder 1"/>
+          <p:cNvSpPr>
+            <a:spLocks noGrp="1"/>
+          </p:cNvSpPr>
+          <p:nvPr>
+            <p:ph type="sldNum" sz="quarter" idx="12"/>
+          </p:nvPr>
+        </p:nvSpPr>
+        <p:spPr/>
+        <p:txBody>
+          <a:bodyPr/>
+          <a:lstStyle/>
+          <a:p>
+            <a:fld id="{B543A0FD-1CA6-4228-86A2-78061B4844C8}" type="slidenum">
+              <a:rPr lang="en-US" smtClean="0"/>
+              <a:t>12</a:t>
+            </a:fld>
+            <a:endParaRPr lang="en-US"/>
+          </a:p>
+        </p:txBody>
+      </p:sp>
+    </p:spTree>
+    <p:extLst>
+      <p:ext uri="{BB962C8B-B14F-4D97-AF65-F5344CB8AC3E}">
+        <p14:creationId xmlns:p14="http://schemas.microsoft.com/office/powerpoint/2010/main" val="2712353801"/>
+      </p:ext>
+    </p:extLst>
+  </p:cSld>
+  <p:clrMapOvr>
+    <a:masterClrMapping/>
+  </p:clrMapOvr>
+  <p:timing>
+    <p:tnLst>
+      <p:par>
+        <p:cTn id="1" dur="indefinite" restart="never" nodeType="tmRoot"/>
+      </p:par>
+    </p:tnLst>
+  </p:timing>
+</p:sld>
+</file>
+
+<file path=ppt/slides/slide13.xml><?xml version="1.0" encoding="utf-8"?>
+<p:sld xmlns:a="http://schemas.openxmlformats.org/drawingml/2006/main" xmlns:r="http://schemas.openxmlformats.org/officeDocument/2006/relationships" xmlns:p="http://schemas.openxmlformats.org/presentationml/2006/main">
+  <p:cSld>
+    <p:spTree>
+      <p:nvGrpSpPr>
+        <p:cNvPr id="1" name=""/>
+        <p:cNvGrpSpPr/>
+        <p:nvPr/>
+      </p:nvGrpSpPr>
+      <p:grpSpPr>
+        <a:xfrm>
+          <a:off x="0" y="0"/>
+          <a:ext cx="0" cy="0"/>
+          <a:chOff x="0" y="0"/>
+          <a:chExt cx="0" cy="0"/>
+        </a:xfrm>
+      </p:grpSpPr>
+      <p:sp>
+        <p:nvSpPr>
           <p:cNvPr id="41988" name="Title 1"/>
           <p:cNvSpPr>
             <a:spLocks noGrp="1"/>
@@ -5530,7 +5828,7 @@
           <a:p>
             <a:fld id="{B543A0FD-1CA6-4228-86A2-78061B4844C8}" type="slidenum">
               <a:rPr lang="en-US" smtClean="0"/>
-              <a:t>11</a:t>
+              <a:t>13</a:t>
             </a:fld>
             <a:endParaRPr lang="en-US"/>
           </a:p>
@@ -5556,7 +5854,7 @@
 </p:sld>
 </file>
 
-<file path=ppt/slides/slide12.xml><?xml version="1.0" encoding="utf-8"?>
+<file path=ppt/slides/slide14.xml><?xml version="1.0" encoding="utf-8"?>
 <p:sld xmlns:a="http://schemas.openxmlformats.org/drawingml/2006/main" xmlns:r="http://schemas.openxmlformats.org/officeDocument/2006/relationships" xmlns:p="http://schemas.openxmlformats.org/presentationml/2006/main">
   <p:cSld>
     <p:spTree>
@@ -5712,7 +6010,7 @@
           <a:p>
             <a:fld id="{B543A0FD-1CA6-4228-86A2-78061B4844C8}" type="slidenum">
               <a:rPr lang="en-US" smtClean="0"/>
-              <a:t>12</a:t>
+              <a:t>14</a:t>
             </a:fld>
             <a:endParaRPr lang="en-US"/>
           </a:p>
@@ -5722,341 +6020,6 @@
     <p:extLst>
       <p:ext uri="{BB962C8B-B14F-4D97-AF65-F5344CB8AC3E}">
         <p14:creationId xmlns:p14="http://schemas.microsoft.com/office/powerpoint/2010/main" val="3043775129"/>
-      </p:ext>
-    </p:extLst>
-  </p:cSld>
-  <p:clrMapOvr>
-    <a:masterClrMapping/>
-  </p:clrMapOvr>
-  <p:timing>
-    <p:tnLst>
-      <p:par>
-        <p:cTn id="1" dur="indefinite" restart="never" nodeType="tmRoot"/>
-      </p:par>
-    </p:tnLst>
-  </p:timing>
-</p:sld>
-</file>
-
-<file path=ppt/slides/slide13.xml><?xml version="1.0" encoding="utf-8"?>
-<p:sld xmlns:a="http://schemas.openxmlformats.org/drawingml/2006/main" xmlns:r="http://schemas.openxmlformats.org/officeDocument/2006/relationships" xmlns:p="http://schemas.openxmlformats.org/presentationml/2006/main">
-  <p:cSld>
-    <p:spTree>
-      <p:nvGrpSpPr>
-        <p:cNvPr id="1" name=""/>
-        <p:cNvGrpSpPr/>
-        <p:nvPr/>
-      </p:nvGrpSpPr>
-      <p:grpSpPr>
-        <a:xfrm>
-          <a:off x="0" y="0"/>
-          <a:ext cx="0" cy="0"/>
-          <a:chOff x="0" y="0"/>
-          <a:chExt cx="0" cy="0"/>
-        </a:xfrm>
-      </p:grpSpPr>
-      <p:sp>
-        <p:nvSpPr>
-          <p:cNvPr id="45060" name="Title 1"/>
-          <p:cNvSpPr>
-            <a:spLocks noGrp="1"/>
-          </p:cNvSpPr>
-          <p:nvPr>
-            <p:ph type="title"/>
-          </p:nvPr>
-        </p:nvSpPr>
-        <p:spPr/>
-        <p:txBody>
-          <a:bodyPr anchor="ctr">
-            <a:normAutofit/>
-          </a:bodyPr>
-          <a:lstStyle/>
-          <a:p>
-            <a:r>
-              <a:rPr lang="en-US" sz="3600" dirty="0"/>
-              <a:t>Specification-Based Regression Test Selection</a:t>
-            </a:r>
-          </a:p>
-        </p:txBody>
-      </p:sp>
-      <p:sp>
-        <p:nvSpPr>
-          <p:cNvPr id="45061" name="Content Placeholder 2"/>
-          <p:cNvSpPr>
-            <a:spLocks noGrp="1"/>
-          </p:cNvSpPr>
-          <p:nvPr>
-            <p:ph idx="1"/>
-          </p:nvPr>
-        </p:nvSpPr>
-        <p:spPr/>
-        <p:txBody>
-          <a:bodyPr/>
-          <a:lstStyle/>
-          <a:p>
-            <a:pPr marL="342900" indent="-342900"/>
-            <a:r>
-              <a:rPr lang="en-US" sz="3000" dirty="0"/>
-              <a:t>Like code-based regression test case selection </a:t>
-            </a:r>
-          </a:p>
-          <a:p>
-            <a:pPr marL="742950" lvl="1" indent="-285750"/>
-            <a:r>
-              <a:rPr lang="en-US" sz="2800" dirty="0"/>
-              <a:t>Pick test cases that test new and changed functionality</a:t>
-            </a:r>
-          </a:p>
-          <a:p>
-            <a:pPr marL="342900" indent="-342900"/>
-            <a:r>
-              <a:rPr lang="en-US" sz="3000" dirty="0"/>
-              <a:t>Difference: No guarantee of independence</a:t>
-            </a:r>
-          </a:p>
-          <a:p>
-            <a:pPr marL="742950" lvl="1" indent="-285750"/>
-            <a:r>
-              <a:rPr lang="en-US" sz="2800" dirty="0"/>
-              <a:t>A test case that isn’</a:t>
-            </a:r>
-            <a:r>
-              <a:rPr lang="en-US" altLang="ja-JP" sz="2800" dirty="0"/>
-              <a:t>t </a:t>
-            </a:r>
-            <a:r>
-              <a:rPr lang="ja-JP" altLang="en-US" sz="2800" dirty="0"/>
-              <a:t>“</a:t>
-            </a:r>
-            <a:r>
-              <a:rPr lang="en-US" altLang="ja-JP" sz="2800" dirty="0"/>
-              <a:t>for</a:t>
-            </a:r>
-            <a:r>
-              <a:rPr lang="ja-JP" altLang="en-US" sz="2800" dirty="0"/>
-              <a:t>”</a:t>
-            </a:r>
-            <a:r>
-              <a:rPr lang="en-US" altLang="ja-JP" sz="2800" dirty="0"/>
-              <a:t> changed or added feature X might find a bug in feature X anyway</a:t>
-            </a:r>
-          </a:p>
-          <a:p>
-            <a:pPr marL="342900" indent="-342900"/>
-            <a:r>
-              <a:rPr lang="en-US" sz="3000" dirty="0"/>
-              <a:t>Typical approach: Specification-based prioritization</a:t>
-            </a:r>
-          </a:p>
-          <a:p>
-            <a:pPr marL="742950" lvl="1" indent="-285750"/>
-            <a:r>
-              <a:rPr lang="en-US" sz="2800" dirty="0"/>
-              <a:t>Execute all test cases, but start with those that related to changed and added features</a:t>
-            </a:r>
-            <a:endParaRPr lang="en-US" dirty="0"/>
-          </a:p>
-        </p:txBody>
-      </p:sp>
-      <p:sp>
-        <p:nvSpPr>
-          <p:cNvPr id="2" name="Slide Number Placeholder 1"/>
-          <p:cNvSpPr>
-            <a:spLocks noGrp="1"/>
-          </p:cNvSpPr>
-          <p:nvPr>
-            <p:ph type="sldNum" sz="quarter" idx="12"/>
-          </p:nvPr>
-        </p:nvSpPr>
-        <p:spPr/>
-        <p:txBody>
-          <a:bodyPr/>
-          <a:lstStyle/>
-          <a:p>
-            <a:fld id="{B543A0FD-1CA6-4228-86A2-78061B4844C8}" type="slidenum">
-              <a:rPr lang="en-US" smtClean="0"/>
-              <a:t>13</a:t>
-            </a:fld>
-            <a:endParaRPr lang="en-US"/>
-          </a:p>
-        </p:txBody>
-      </p:sp>
-    </p:spTree>
-    <p:extLst>
-      <p:ext uri="{BB962C8B-B14F-4D97-AF65-F5344CB8AC3E}">
-        <p14:creationId xmlns:p14="http://schemas.microsoft.com/office/powerpoint/2010/main" val="3176290985"/>
-      </p:ext>
-    </p:extLst>
-  </p:cSld>
-  <p:clrMapOvr>
-    <a:masterClrMapping/>
-  </p:clrMapOvr>
-  <p:timing>
-    <p:tnLst>
-      <p:par>
-        <p:cTn id="1" dur="indefinite" restart="never" nodeType="tmRoot"/>
-      </p:par>
-    </p:tnLst>
-  </p:timing>
-</p:sld>
-</file>
-
-<file path=ppt/slides/slide14.xml><?xml version="1.0" encoding="utf-8"?>
-<p:sld xmlns:a="http://schemas.openxmlformats.org/drawingml/2006/main" xmlns:r="http://schemas.openxmlformats.org/officeDocument/2006/relationships" xmlns:p="http://schemas.openxmlformats.org/presentationml/2006/main">
-  <p:cSld>
-    <p:spTree>
-      <p:nvGrpSpPr>
-        <p:cNvPr id="1" name=""/>
-        <p:cNvGrpSpPr/>
-        <p:nvPr/>
-      </p:nvGrpSpPr>
-      <p:grpSpPr>
-        <a:xfrm>
-          <a:off x="0" y="0"/>
-          <a:ext cx="0" cy="0"/>
-          <a:chOff x="0" y="0"/>
-          <a:chExt cx="0" cy="0"/>
-        </a:xfrm>
-      </p:grpSpPr>
-      <p:sp>
-        <p:nvSpPr>
-          <p:cNvPr id="46084" name="Title 1"/>
-          <p:cNvSpPr>
-            <a:spLocks noGrp="1"/>
-          </p:cNvSpPr>
-          <p:nvPr>
-            <p:ph type="title"/>
-          </p:nvPr>
-        </p:nvSpPr>
-        <p:spPr/>
-        <p:txBody>
-          <a:bodyPr/>
-          <a:lstStyle/>
-          <a:p>
-            <a:r>
-              <a:rPr lang="en-US" dirty="0" smtClean="0"/>
-              <a:t>Prioritized Rotating Selection</a:t>
-            </a:r>
-            <a:endParaRPr lang="en-US" dirty="0"/>
-          </a:p>
-        </p:txBody>
-      </p:sp>
-      <p:sp>
-        <p:nvSpPr>
-          <p:cNvPr id="46085" name="Content Placeholder 2"/>
-          <p:cNvSpPr>
-            <a:spLocks noGrp="1"/>
-          </p:cNvSpPr>
-          <p:nvPr>
-            <p:ph idx="1"/>
-          </p:nvPr>
-        </p:nvSpPr>
-        <p:spPr>
-          <a:xfrm>
-            <a:off x="613914" y="1488747"/>
-            <a:ext cx="10515600" cy="4412171"/>
-          </a:xfrm>
-        </p:spPr>
-        <p:txBody>
-          <a:bodyPr/>
-          <a:lstStyle/>
-          <a:p>
-            <a:r>
-              <a:rPr lang="en-US" dirty="0" smtClean="0"/>
-              <a:t>Basic idea: </a:t>
-            </a:r>
-          </a:p>
-          <a:p>
-            <a:pPr lvl="1"/>
-            <a:r>
-              <a:rPr lang="en-US" dirty="0" smtClean="0"/>
-              <a:t>Execute all test cases, eventually</a:t>
-            </a:r>
-          </a:p>
-          <a:p>
-            <a:pPr lvl="1"/>
-            <a:r>
-              <a:rPr lang="en-US" dirty="0" smtClean="0"/>
-              <a:t>Execute some sooner than others</a:t>
-            </a:r>
-          </a:p>
-          <a:p>
-            <a:r>
-              <a:rPr lang="en-US" dirty="0" smtClean="0"/>
-              <a:t>Possible priority schemes: </a:t>
-            </a:r>
-          </a:p>
-          <a:p>
-            <a:pPr lvl="1"/>
-            <a:r>
-              <a:rPr lang="en-US" dirty="0" smtClean="0"/>
-              <a:t>Round Robin: </a:t>
-            </a:r>
-          </a:p>
-          <a:p>
-            <a:pPr lvl="2"/>
-            <a:r>
-              <a:rPr lang="en-US" dirty="0" smtClean="0"/>
-              <a:t>Priority to least-recently-run test cases</a:t>
-            </a:r>
-          </a:p>
-          <a:p>
-            <a:pPr lvl="1"/>
-            <a:r>
-              <a:rPr lang="en-US" dirty="0" smtClean="0"/>
-              <a:t>Track record: </a:t>
-            </a:r>
-          </a:p>
-          <a:p>
-            <a:pPr lvl="2"/>
-            <a:r>
-              <a:rPr lang="en-US" dirty="0" smtClean="0"/>
-              <a:t>Priority to test cases that have detected faults before</a:t>
-            </a:r>
-          </a:p>
-          <a:p>
-            <a:pPr lvl="1"/>
-            <a:r>
-              <a:rPr lang="en-US" dirty="0" smtClean="0"/>
-              <a:t>Structural: </a:t>
-            </a:r>
-          </a:p>
-          <a:p>
-            <a:pPr lvl="2"/>
-            <a:r>
-              <a:rPr lang="en-US" dirty="0" smtClean="0"/>
-              <a:t>Priority for executing elements that have not been recently executed</a:t>
-            </a:r>
-          </a:p>
-        </p:txBody>
-      </p:sp>
-      <p:sp>
-        <p:nvSpPr>
-          <p:cNvPr id="2" name="Slide Number Placeholder 1"/>
-          <p:cNvSpPr>
-            <a:spLocks noGrp="1"/>
-          </p:cNvSpPr>
-          <p:nvPr>
-            <p:ph type="sldNum" sz="quarter" idx="12"/>
-          </p:nvPr>
-        </p:nvSpPr>
-        <p:spPr/>
-        <p:txBody>
-          <a:bodyPr/>
-          <a:lstStyle/>
-          <a:p>
-            <a:fld id="{B543A0FD-1CA6-4228-86A2-78061B4844C8}" type="slidenum">
-              <a:rPr lang="en-US" smtClean="0"/>
-              <a:t>14</a:t>
-            </a:fld>
-            <a:endParaRPr lang="en-US"/>
-          </a:p>
-        </p:txBody>
-      </p:sp>
-    </p:spTree>
-    <p:extLst>
-      <p:ext uri="{BB962C8B-B14F-4D97-AF65-F5344CB8AC3E}">
-        <p14:creationId xmlns:p14="http://schemas.microsoft.com/office/powerpoint/2010/main" val="2135076988"/>
       </p:ext>
     </p:extLst>
   </p:cSld>
@@ -6092,6 +6055,341 @@
       </p:grpSpPr>
       <p:sp>
         <p:nvSpPr>
+          <p:cNvPr id="45060" name="Title 1"/>
+          <p:cNvSpPr>
+            <a:spLocks noGrp="1"/>
+          </p:cNvSpPr>
+          <p:nvPr>
+            <p:ph type="title"/>
+          </p:nvPr>
+        </p:nvSpPr>
+        <p:spPr/>
+        <p:txBody>
+          <a:bodyPr anchor="ctr">
+            <a:normAutofit/>
+          </a:bodyPr>
+          <a:lstStyle/>
+          <a:p>
+            <a:r>
+              <a:rPr lang="en-US" sz="3600" dirty="0"/>
+              <a:t>Specification-Based Regression Test Selection</a:t>
+            </a:r>
+          </a:p>
+        </p:txBody>
+      </p:sp>
+      <p:sp>
+        <p:nvSpPr>
+          <p:cNvPr id="45061" name="Content Placeholder 2"/>
+          <p:cNvSpPr>
+            <a:spLocks noGrp="1"/>
+          </p:cNvSpPr>
+          <p:nvPr>
+            <p:ph idx="1"/>
+          </p:nvPr>
+        </p:nvSpPr>
+        <p:spPr/>
+        <p:txBody>
+          <a:bodyPr/>
+          <a:lstStyle/>
+          <a:p>
+            <a:pPr marL="342900" indent="-342900"/>
+            <a:r>
+              <a:rPr lang="en-US" sz="3000" dirty="0"/>
+              <a:t>Like code-based regression test case selection </a:t>
+            </a:r>
+          </a:p>
+          <a:p>
+            <a:pPr marL="742950" lvl="1" indent="-285750"/>
+            <a:r>
+              <a:rPr lang="en-US" sz="2800" dirty="0"/>
+              <a:t>Pick test cases that test new and changed functionality</a:t>
+            </a:r>
+          </a:p>
+          <a:p>
+            <a:pPr marL="342900" indent="-342900"/>
+            <a:r>
+              <a:rPr lang="en-US" sz="3000" dirty="0"/>
+              <a:t>Difference: No guarantee of independence</a:t>
+            </a:r>
+          </a:p>
+          <a:p>
+            <a:pPr marL="742950" lvl="1" indent="-285750"/>
+            <a:r>
+              <a:rPr lang="en-US" sz="2800" dirty="0"/>
+              <a:t>A test case that isn’</a:t>
+            </a:r>
+            <a:r>
+              <a:rPr lang="en-US" altLang="ja-JP" sz="2800" dirty="0"/>
+              <a:t>t </a:t>
+            </a:r>
+            <a:r>
+              <a:rPr lang="ja-JP" altLang="en-US" sz="2800" dirty="0"/>
+              <a:t>“</a:t>
+            </a:r>
+            <a:r>
+              <a:rPr lang="en-US" altLang="ja-JP" sz="2800" dirty="0"/>
+              <a:t>for</a:t>
+            </a:r>
+            <a:r>
+              <a:rPr lang="ja-JP" altLang="en-US" sz="2800" dirty="0"/>
+              <a:t>”</a:t>
+            </a:r>
+            <a:r>
+              <a:rPr lang="en-US" altLang="ja-JP" sz="2800" dirty="0"/>
+              <a:t> changed or added feature X might find a bug in feature X anyway</a:t>
+            </a:r>
+          </a:p>
+          <a:p>
+            <a:pPr marL="342900" indent="-342900"/>
+            <a:r>
+              <a:rPr lang="en-US" sz="3000" dirty="0"/>
+              <a:t>Typical approach: Specification-based prioritization</a:t>
+            </a:r>
+          </a:p>
+          <a:p>
+            <a:pPr marL="742950" lvl="1" indent="-285750"/>
+            <a:r>
+              <a:rPr lang="en-US" sz="2800" dirty="0"/>
+              <a:t>Execute all test cases, but start with those that related to changed and added features</a:t>
+            </a:r>
+            <a:endParaRPr lang="en-US" dirty="0"/>
+          </a:p>
+        </p:txBody>
+      </p:sp>
+      <p:sp>
+        <p:nvSpPr>
+          <p:cNvPr id="2" name="Slide Number Placeholder 1"/>
+          <p:cNvSpPr>
+            <a:spLocks noGrp="1"/>
+          </p:cNvSpPr>
+          <p:nvPr>
+            <p:ph type="sldNum" sz="quarter" idx="12"/>
+          </p:nvPr>
+        </p:nvSpPr>
+        <p:spPr/>
+        <p:txBody>
+          <a:bodyPr/>
+          <a:lstStyle/>
+          <a:p>
+            <a:fld id="{B543A0FD-1CA6-4228-86A2-78061B4844C8}" type="slidenum">
+              <a:rPr lang="en-US" smtClean="0"/>
+              <a:t>15</a:t>
+            </a:fld>
+            <a:endParaRPr lang="en-US"/>
+          </a:p>
+        </p:txBody>
+      </p:sp>
+    </p:spTree>
+    <p:extLst>
+      <p:ext uri="{BB962C8B-B14F-4D97-AF65-F5344CB8AC3E}">
+        <p14:creationId xmlns:p14="http://schemas.microsoft.com/office/powerpoint/2010/main" val="3176290985"/>
+      </p:ext>
+    </p:extLst>
+  </p:cSld>
+  <p:clrMapOvr>
+    <a:masterClrMapping/>
+  </p:clrMapOvr>
+  <p:timing>
+    <p:tnLst>
+      <p:par>
+        <p:cTn id="1" dur="indefinite" restart="never" nodeType="tmRoot"/>
+      </p:par>
+    </p:tnLst>
+  </p:timing>
+</p:sld>
+</file>
+
+<file path=ppt/slides/slide16.xml><?xml version="1.0" encoding="utf-8"?>
+<p:sld xmlns:a="http://schemas.openxmlformats.org/drawingml/2006/main" xmlns:r="http://schemas.openxmlformats.org/officeDocument/2006/relationships" xmlns:p="http://schemas.openxmlformats.org/presentationml/2006/main">
+  <p:cSld>
+    <p:spTree>
+      <p:nvGrpSpPr>
+        <p:cNvPr id="1" name=""/>
+        <p:cNvGrpSpPr/>
+        <p:nvPr/>
+      </p:nvGrpSpPr>
+      <p:grpSpPr>
+        <a:xfrm>
+          <a:off x="0" y="0"/>
+          <a:ext cx="0" cy="0"/>
+          <a:chOff x="0" y="0"/>
+          <a:chExt cx="0" cy="0"/>
+        </a:xfrm>
+      </p:grpSpPr>
+      <p:sp>
+        <p:nvSpPr>
+          <p:cNvPr id="46084" name="Title 1"/>
+          <p:cNvSpPr>
+            <a:spLocks noGrp="1"/>
+          </p:cNvSpPr>
+          <p:nvPr>
+            <p:ph type="title"/>
+          </p:nvPr>
+        </p:nvSpPr>
+        <p:spPr/>
+        <p:txBody>
+          <a:bodyPr/>
+          <a:lstStyle/>
+          <a:p>
+            <a:r>
+              <a:rPr lang="en-US" dirty="0" smtClean="0"/>
+              <a:t>Prioritized Rotating Selection</a:t>
+            </a:r>
+            <a:endParaRPr lang="en-US" dirty="0"/>
+          </a:p>
+        </p:txBody>
+      </p:sp>
+      <p:sp>
+        <p:nvSpPr>
+          <p:cNvPr id="46085" name="Content Placeholder 2"/>
+          <p:cNvSpPr>
+            <a:spLocks noGrp="1"/>
+          </p:cNvSpPr>
+          <p:nvPr>
+            <p:ph idx="1"/>
+          </p:nvPr>
+        </p:nvSpPr>
+        <p:spPr>
+          <a:xfrm>
+            <a:off x="613914" y="1488747"/>
+            <a:ext cx="10515600" cy="4412171"/>
+          </a:xfrm>
+        </p:spPr>
+        <p:txBody>
+          <a:bodyPr/>
+          <a:lstStyle/>
+          <a:p>
+            <a:r>
+              <a:rPr lang="en-US" dirty="0" smtClean="0"/>
+              <a:t>Basic idea: </a:t>
+            </a:r>
+          </a:p>
+          <a:p>
+            <a:pPr lvl="1"/>
+            <a:r>
+              <a:rPr lang="en-US" dirty="0" smtClean="0"/>
+              <a:t>Execute all test cases, eventually</a:t>
+            </a:r>
+          </a:p>
+          <a:p>
+            <a:pPr lvl="1"/>
+            <a:r>
+              <a:rPr lang="en-US" dirty="0" smtClean="0"/>
+              <a:t>Execute some sooner than others</a:t>
+            </a:r>
+          </a:p>
+          <a:p>
+            <a:r>
+              <a:rPr lang="en-US" dirty="0" smtClean="0"/>
+              <a:t>Possible priority schemes: </a:t>
+            </a:r>
+          </a:p>
+          <a:p>
+            <a:pPr lvl="1"/>
+            <a:r>
+              <a:rPr lang="en-US" dirty="0" smtClean="0"/>
+              <a:t>Round Robin: </a:t>
+            </a:r>
+          </a:p>
+          <a:p>
+            <a:pPr lvl="2"/>
+            <a:r>
+              <a:rPr lang="en-US" dirty="0" smtClean="0"/>
+              <a:t>Priority to least-recently-run test cases</a:t>
+            </a:r>
+          </a:p>
+          <a:p>
+            <a:pPr lvl="1"/>
+            <a:r>
+              <a:rPr lang="en-US" dirty="0" smtClean="0"/>
+              <a:t>Track record: </a:t>
+            </a:r>
+          </a:p>
+          <a:p>
+            <a:pPr lvl="2"/>
+            <a:r>
+              <a:rPr lang="en-US" dirty="0" smtClean="0"/>
+              <a:t>Priority to test cases that have detected faults before</a:t>
+            </a:r>
+          </a:p>
+          <a:p>
+            <a:pPr lvl="1"/>
+            <a:r>
+              <a:rPr lang="en-US" dirty="0" smtClean="0"/>
+              <a:t>Structural: </a:t>
+            </a:r>
+          </a:p>
+          <a:p>
+            <a:pPr lvl="2"/>
+            <a:r>
+              <a:rPr lang="en-US" dirty="0" smtClean="0"/>
+              <a:t>Priority for executing elements that have not been recently executed</a:t>
+            </a:r>
+          </a:p>
+        </p:txBody>
+      </p:sp>
+      <p:sp>
+        <p:nvSpPr>
+          <p:cNvPr id="2" name="Slide Number Placeholder 1"/>
+          <p:cNvSpPr>
+            <a:spLocks noGrp="1"/>
+          </p:cNvSpPr>
+          <p:nvPr>
+            <p:ph type="sldNum" sz="quarter" idx="12"/>
+          </p:nvPr>
+        </p:nvSpPr>
+        <p:spPr/>
+        <p:txBody>
+          <a:bodyPr/>
+          <a:lstStyle/>
+          <a:p>
+            <a:fld id="{B543A0FD-1CA6-4228-86A2-78061B4844C8}" type="slidenum">
+              <a:rPr lang="en-US" smtClean="0"/>
+              <a:t>16</a:t>
+            </a:fld>
+            <a:endParaRPr lang="en-US"/>
+          </a:p>
+        </p:txBody>
+      </p:sp>
+    </p:spTree>
+    <p:extLst>
+      <p:ext uri="{BB962C8B-B14F-4D97-AF65-F5344CB8AC3E}">
+        <p14:creationId xmlns:p14="http://schemas.microsoft.com/office/powerpoint/2010/main" val="2135076988"/>
+      </p:ext>
+    </p:extLst>
+  </p:cSld>
+  <p:clrMapOvr>
+    <a:masterClrMapping/>
+  </p:clrMapOvr>
+  <p:timing>
+    <p:tnLst>
+      <p:par>
+        <p:cTn id="1" dur="indefinite" restart="never" nodeType="tmRoot"/>
+      </p:par>
+    </p:tnLst>
+  </p:timing>
+</p:sld>
+</file>
+
+<file path=ppt/slides/slide17.xml><?xml version="1.0" encoding="utf-8"?>
+<p:sld xmlns:a="http://schemas.openxmlformats.org/drawingml/2006/main" xmlns:r="http://schemas.openxmlformats.org/officeDocument/2006/relationships" xmlns:p="http://schemas.openxmlformats.org/presentationml/2006/main">
+  <p:cSld>
+    <p:spTree>
+      <p:nvGrpSpPr>
+        <p:cNvPr id="1" name=""/>
+        <p:cNvGrpSpPr/>
+        <p:nvPr/>
+      </p:nvGrpSpPr>
+      <p:grpSpPr>
+        <a:xfrm>
+          <a:off x="0" y="0"/>
+          <a:ext cx="0" cy="0"/>
+          <a:chOff x="0" y="0"/>
+          <a:chExt cx="0" cy="0"/>
+        </a:xfrm>
+      </p:grpSpPr>
+      <p:sp>
+        <p:nvSpPr>
           <p:cNvPr id="47108" name="Rectangle 6"/>
           <p:cNvSpPr>
             <a:spLocks noGrp="1" noChangeArrowheads="1"/>
@@ -6146,6 +6444,22 @@
             </a:r>
           </a:p>
           <a:p>
+            <a:r>
+              <a:rPr lang="it-IT" dirty="0" smtClean="0"/>
+              <a:t>Reasons for regression testing</a:t>
+            </a:r>
+          </a:p>
+          <a:p>
+            <a:r>
+              <a:rPr lang="en-US" dirty="0"/>
+              <a:t>Basic Problems of Regression Testing</a:t>
+            </a:r>
+          </a:p>
+          <a:p>
+            <a:r>
+              <a:rPr lang="en-US" dirty="0"/>
+              <a:t>Selecting and Prioritizing Regression Test Cases</a:t>
+            </a:r>
             <a:endParaRPr lang="it-IT" dirty="0"/>
           </a:p>
         </p:txBody>
@@ -6167,7 +6481,7 @@
           <a:p>
             <a:fld id="{B543A0FD-1CA6-4228-86A2-78061B4844C8}" type="slidenum">
               <a:rPr lang="en-US" smtClean="0"/>
-              <a:t>15</a:t>
+              <a:t>17</a:t>
             </a:fld>
             <a:endParaRPr lang="en-US"/>
           </a:p>
@@ -6978,6 +7292,132 @@
           <a:lstStyle/>
           <a:p>
             <a:r>
+              <a:rPr lang="en-US" dirty="0"/>
+              <a:t>Regression Testing</a:t>
+            </a:r>
+          </a:p>
+        </p:txBody>
+      </p:sp>
+      <p:sp>
+        <p:nvSpPr>
+          <p:cNvPr id="3" name="Content Placeholder 2"/>
+          <p:cNvSpPr>
+            <a:spLocks noGrp="1"/>
+          </p:cNvSpPr>
+          <p:nvPr>
+            <p:ph idx="1"/>
+          </p:nvPr>
+        </p:nvSpPr>
+        <p:spPr/>
+        <p:txBody>
+          <a:bodyPr/>
+          <a:lstStyle/>
+          <a:p>
+            <a:r>
+              <a:rPr lang="en-US" dirty="0" smtClean="0"/>
+              <a:t>It is </a:t>
+            </a:r>
+            <a:r>
+              <a:rPr lang="en-US" dirty="0"/>
+              <a:t>a type of software testing that intends to ensure that changes (enhancements or defect fixes) to the software have not adversely affected it. </a:t>
+            </a:r>
+            <a:endParaRPr lang="en-US" dirty="0" smtClean="0"/>
+          </a:p>
+          <a:p>
+            <a:r>
+              <a:rPr lang="en-US" dirty="0" smtClean="0"/>
+              <a:t>Rerunning </a:t>
+            </a:r>
+            <a:r>
+              <a:rPr lang="en-US" dirty="0"/>
+              <a:t>of tests can be on both functional and non-functional tests.</a:t>
+            </a:r>
+          </a:p>
+          <a:p>
+            <a:endParaRPr lang="en-US" dirty="0"/>
+          </a:p>
+          <a:p>
+            <a:r>
+              <a:rPr lang="en-US" dirty="0" smtClean="0"/>
+              <a:t>It is a </a:t>
+            </a:r>
+            <a:r>
+              <a:rPr lang="en-US" dirty="0"/>
+              <a:t>type of change-related testing to detect whether defects have been introduced or uncovered in unchanged areas of the software.</a:t>
+            </a:r>
+          </a:p>
+        </p:txBody>
+      </p:sp>
+      <p:sp>
+        <p:nvSpPr>
+          <p:cNvPr id="4" name="Slide Number Placeholder 3"/>
+          <p:cNvSpPr>
+            <a:spLocks noGrp="1"/>
+          </p:cNvSpPr>
+          <p:nvPr>
+            <p:ph type="sldNum" sz="quarter" idx="12"/>
+          </p:nvPr>
+        </p:nvSpPr>
+        <p:spPr/>
+        <p:txBody>
+          <a:bodyPr/>
+          <a:lstStyle/>
+          <a:p>
+            <a:fld id="{B8DACC02-A2BD-4578-8E03-6D891060A695}" type="slidenum">
+              <a:rPr lang="en-US" smtClean="0"/>
+              <a:pPr/>
+              <a:t>5</a:t>
+            </a:fld>
+            <a:endParaRPr lang="en-US" dirty="0"/>
+          </a:p>
+        </p:txBody>
+      </p:sp>
+    </p:spTree>
+    <p:extLst>
+      <p:ext uri="{BB962C8B-B14F-4D97-AF65-F5344CB8AC3E}">
+        <p14:creationId xmlns:p14="http://schemas.microsoft.com/office/powerpoint/2010/main" val="3538715790"/>
+      </p:ext>
+    </p:extLst>
+  </p:cSld>
+  <p:clrMapOvr>
+    <a:masterClrMapping/>
+  </p:clrMapOvr>
+</p:sld>
+</file>
+
+<file path=ppt/slides/slide6.xml><?xml version="1.0" encoding="utf-8"?>
+<p:sld xmlns:a="http://schemas.openxmlformats.org/drawingml/2006/main" xmlns:r="http://schemas.openxmlformats.org/officeDocument/2006/relationships" xmlns:p="http://schemas.openxmlformats.org/presentationml/2006/main">
+  <p:cSld>
+    <p:spTree>
+      <p:nvGrpSpPr>
+        <p:cNvPr id="1" name=""/>
+        <p:cNvGrpSpPr/>
+        <p:nvPr/>
+      </p:nvGrpSpPr>
+      <p:grpSpPr>
+        <a:xfrm>
+          <a:off x="0" y="0"/>
+          <a:ext cx="0" cy="0"/>
+          <a:chOff x="0" y="0"/>
+          <a:chExt cx="0" cy="0"/>
+        </a:xfrm>
+      </p:grpSpPr>
+      <p:sp>
+        <p:nvSpPr>
+          <p:cNvPr id="2" name="Title 1"/>
+          <p:cNvSpPr>
+            <a:spLocks noGrp="1"/>
+          </p:cNvSpPr>
+          <p:nvPr>
+            <p:ph type="title"/>
+          </p:nvPr>
+        </p:nvSpPr>
+        <p:spPr/>
+        <p:txBody>
+          <a:bodyPr/>
+          <a:lstStyle/>
+          <a:p>
+            <a:r>
               <a:rPr lang="en-US" dirty="0" smtClean="0"/>
               <a:t>Regression Test</a:t>
             </a:r>
@@ -7089,7 +7529,7 @@
           <a:p>
             <a:fld id="{B543A0FD-1CA6-4228-86A2-78061B4844C8}" type="slidenum">
               <a:rPr lang="en-US" smtClean="0"/>
-              <a:t>5</a:t>
+              <a:t>6</a:t>
             </a:fld>
             <a:endParaRPr lang="en-US"/>
           </a:p>
@@ -7115,7 +7555,7 @@
 </p:sld>
 </file>
 
-<file path=ppt/slides/slide6.xml><?xml version="1.0" encoding="utf-8"?>
+<file path=ppt/slides/slide7.xml><?xml version="1.0" encoding="utf-8"?>
 <p:sld xmlns:a="http://schemas.openxmlformats.org/drawingml/2006/main" xmlns:r="http://schemas.openxmlformats.org/officeDocument/2006/relationships" xmlns:p="http://schemas.openxmlformats.org/presentationml/2006/main">
   <p:cSld>
     <p:spTree>
@@ -8658,7 +9098,7 @@
           <a:p>
             <a:fld id="{B543A0FD-1CA6-4228-86A2-78061B4844C8}" type="slidenum">
               <a:rPr lang="en-US" smtClean="0"/>
-              <a:t>6</a:t>
+              <a:t>7</a:t>
             </a:fld>
             <a:endParaRPr lang="en-US"/>
           </a:p>
@@ -8668,167 +9108,6 @@
     <p:extLst>
       <p:ext uri="{BB962C8B-B14F-4D97-AF65-F5344CB8AC3E}">
         <p14:creationId xmlns:p14="http://schemas.microsoft.com/office/powerpoint/2010/main" val="3017295981"/>
-      </p:ext>
-    </p:extLst>
-  </p:cSld>
-  <p:clrMapOvr>
-    <a:masterClrMapping/>
-  </p:clrMapOvr>
-  <p:timing>
-    <p:tnLst>
-      <p:par>
-        <p:cTn id="1" dur="indefinite" restart="never" nodeType="tmRoot"/>
-      </p:par>
-    </p:tnLst>
-  </p:timing>
-</p:sld>
-</file>
-
-<file path=ppt/slides/slide7.xml><?xml version="1.0" encoding="utf-8"?>
-<p:sld xmlns:a="http://schemas.openxmlformats.org/drawingml/2006/main" xmlns:r="http://schemas.openxmlformats.org/officeDocument/2006/relationships" xmlns:p="http://schemas.openxmlformats.org/presentationml/2006/main">
-  <p:cSld>
-    <p:spTree>
-      <p:nvGrpSpPr>
-        <p:cNvPr id="1" name=""/>
-        <p:cNvGrpSpPr/>
-        <p:nvPr/>
-      </p:nvGrpSpPr>
-      <p:grpSpPr>
-        <a:xfrm>
-          <a:off x="0" y="0"/>
-          <a:ext cx="0" cy="0"/>
-          <a:chOff x="0" y="0"/>
-          <a:chExt cx="0" cy="0"/>
-        </a:xfrm>
-      </p:grpSpPr>
-      <p:sp>
-        <p:nvSpPr>
-          <p:cNvPr id="37892" name="Title 5"/>
-          <p:cNvSpPr>
-            <a:spLocks noGrp="1"/>
-          </p:cNvSpPr>
-          <p:nvPr>
-            <p:ph type="title"/>
-          </p:nvPr>
-        </p:nvSpPr>
-        <p:spPr/>
-        <p:txBody>
-          <a:bodyPr/>
-          <a:lstStyle/>
-          <a:p>
-            <a:r>
-              <a:rPr lang="en-US" dirty="0" smtClean="0"/>
-              <a:t>Regression Test</a:t>
-            </a:r>
-            <a:endParaRPr lang="en-US" dirty="0"/>
-          </a:p>
-        </p:txBody>
-      </p:sp>
-      <p:sp>
-        <p:nvSpPr>
-          <p:cNvPr id="37893" name="Content Placeholder 6"/>
-          <p:cNvSpPr>
-            <a:spLocks noGrp="1"/>
-          </p:cNvSpPr>
-          <p:nvPr>
-            <p:ph idx="1"/>
-          </p:nvPr>
-        </p:nvSpPr>
-        <p:spPr/>
-        <p:txBody>
-          <a:bodyPr/>
-          <a:lstStyle/>
-          <a:p>
-            <a:r>
-              <a:rPr lang="en-US" dirty="0" smtClean="0"/>
-              <a:t>Yesterday it worked, today it doesn’</a:t>
-            </a:r>
-            <a:r>
-              <a:rPr lang="en-US" altLang="ja-JP" dirty="0" smtClean="0"/>
-              <a:t>t</a:t>
-            </a:r>
-          </a:p>
-          <a:p>
-            <a:pPr lvl="1"/>
-            <a:r>
-              <a:rPr lang="en-US" dirty="0" smtClean="0"/>
-              <a:t>I was fixing X, and accidentally broke Y</a:t>
-            </a:r>
-          </a:p>
-          <a:p>
-            <a:pPr lvl="1"/>
-            <a:r>
-              <a:rPr lang="en-US" dirty="0" smtClean="0"/>
-              <a:t>That bug was fixed, but now it’</a:t>
-            </a:r>
-            <a:r>
-              <a:rPr lang="en-US" altLang="ja-JP" dirty="0" smtClean="0"/>
-              <a:t>s back</a:t>
-            </a:r>
-          </a:p>
-          <a:p>
-            <a:r>
-              <a:rPr lang="en-US" dirty="0" smtClean="0"/>
-              <a:t>Tests must be re-run after any change </a:t>
-            </a:r>
-          </a:p>
-          <a:p>
-            <a:pPr lvl="1"/>
-            <a:r>
-              <a:rPr lang="en-US" dirty="0" smtClean="0"/>
-              <a:t>Adding new features</a:t>
-            </a:r>
-          </a:p>
-          <a:p>
-            <a:pPr lvl="1"/>
-            <a:r>
-              <a:rPr lang="en-US" dirty="0" smtClean="0"/>
-              <a:t>Changing, adapting software to new conditions</a:t>
-            </a:r>
-          </a:p>
-          <a:p>
-            <a:pPr lvl="1"/>
-            <a:r>
-              <a:rPr lang="en-US" dirty="0" smtClean="0"/>
-              <a:t>Fixing other bugs</a:t>
-            </a:r>
-          </a:p>
-          <a:p>
-            <a:r>
-              <a:rPr lang="en-US" dirty="0" smtClean="0"/>
-              <a:t>Regression testing can be a major cost of software maintenance</a:t>
-            </a:r>
-            <a:endParaRPr lang="en-US" dirty="0"/>
-          </a:p>
-        </p:txBody>
-      </p:sp>
-      <p:sp>
-        <p:nvSpPr>
-          <p:cNvPr id="2" name="Slide Number Placeholder 1"/>
-          <p:cNvSpPr>
-            <a:spLocks noGrp="1"/>
-          </p:cNvSpPr>
-          <p:nvPr>
-            <p:ph type="sldNum" sz="quarter" idx="12"/>
-          </p:nvPr>
-        </p:nvSpPr>
-        <p:spPr/>
-        <p:txBody>
-          <a:bodyPr/>
-          <a:lstStyle/>
-          <a:p>
-            <a:fld id="{B543A0FD-1CA6-4228-86A2-78061B4844C8}" type="slidenum">
-              <a:rPr lang="en-US" smtClean="0"/>
-              <a:t>7</a:t>
-            </a:fld>
-            <a:endParaRPr lang="en-US"/>
-          </a:p>
-        </p:txBody>
-      </p:sp>
-    </p:spTree>
-    <p:extLst>
-      <p:ext uri="{BB962C8B-B14F-4D97-AF65-F5344CB8AC3E}">
-        <p14:creationId xmlns:p14="http://schemas.microsoft.com/office/powerpoint/2010/main" val="451919939"/>
       </p:ext>
     </p:extLst>
   </p:cSld>
@@ -8864,7 +9143,7 @@
       </p:grpSpPr>
       <p:sp>
         <p:nvSpPr>
-          <p:cNvPr id="38916" name="Title 1"/>
+          <p:cNvPr id="37892" name="Title 5"/>
           <p:cNvSpPr>
             <a:spLocks noGrp="1"/>
           </p:cNvSpPr>
@@ -8874,27 +9153,20 @@
         </p:nvSpPr>
         <p:spPr/>
         <p:txBody>
-          <a:bodyPr anchor="ctr"/>
-          <a:lstStyle/>
-          <a:p>
-            <a:r>
-              <a:rPr lang="en-US" dirty="0"/>
-              <a:t>Basic Problems of </a:t>
-            </a:r>
+          <a:bodyPr/>
+          <a:lstStyle/>
+          <a:p>
             <a:r>
               <a:rPr lang="en-US" dirty="0" smtClean="0"/>
-              <a:t>Regression </a:t>
-            </a:r>
-            <a:r>
-              <a:rPr lang="en-US" dirty="0"/>
-              <a:t>Test</a:t>
-            </a:r>
-          </a:p>
-        </p:txBody>
-      </p:sp>
-      <p:sp>
-        <p:nvSpPr>
-          <p:cNvPr id="38917" name="Content Placeholder 2"/>
+              <a:t>Regression Test</a:t>
+            </a:r>
+            <a:endParaRPr lang="en-US" dirty="0"/>
+          </a:p>
+        </p:txBody>
+      </p:sp>
+      <p:sp>
+        <p:nvSpPr>
+          <p:cNvPr id="37893" name="Content Placeholder 6"/>
           <p:cNvSpPr>
             <a:spLocks noGrp="1"/>
           </p:cNvSpPr>
@@ -8907,46 +9179,66 @@
           <a:bodyPr/>
           <a:lstStyle/>
           <a:p>
-            <a:pPr marL="342900" indent="-342900"/>
-            <a:r>
-              <a:rPr lang="en-US" sz="3200" dirty="0"/>
-              <a:t>Maintaining test suite</a:t>
-            </a:r>
-          </a:p>
-          <a:p>
-            <a:pPr marL="742950" lvl="1" indent="-285750"/>
-            <a:r>
-              <a:rPr lang="en-US" sz="2800" dirty="0"/>
-              <a:t>If I change feature X, how many test cases must be revised because they use feature X?</a:t>
-            </a:r>
-          </a:p>
-          <a:p>
-            <a:pPr marL="742950" lvl="1" indent="-285750"/>
-            <a:r>
-              <a:rPr lang="en-US" sz="2800" dirty="0"/>
-              <a:t>Which test cases should be removed or replaced? Which test cases should be added?</a:t>
-            </a:r>
-          </a:p>
-          <a:p>
-            <a:pPr marL="342900" indent="-342900"/>
-            <a:r>
-              <a:rPr lang="en-US" sz="3200" dirty="0"/>
-              <a:t>Cost of re-testing</a:t>
-            </a:r>
-          </a:p>
-          <a:p>
-            <a:pPr marL="742950" lvl="1" indent="-285750"/>
-            <a:r>
-              <a:rPr lang="en-US" sz="2800" dirty="0"/>
-              <a:t>Often proportional to product size, not change size</a:t>
-            </a:r>
-          </a:p>
-          <a:p>
-            <a:pPr marL="742950" lvl="1" indent="-285750"/>
-            <a:r>
-              <a:rPr lang="en-US" sz="2800" dirty="0"/>
-              <a:t>Big problem if testing requires manual effort</a:t>
-            </a:r>
+            <a:r>
+              <a:rPr lang="en-US" dirty="0" smtClean="0"/>
+              <a:t>Yesterday it worked, today it doesn’</a:t>
+            </a:r>
+            <a:r>
+              <a:rPr lang="en-US" altLang="ja-JP" dirty="0" smtClean="0"/>
+              <a:t>t</a:t>
+            </a:r>
+          </a:p>
+          <a:p>
+            <a:pPr lvl="1"/>
+            <a:r>
+              <a:rPr lang="en-US" dirty="0" smtClean="0"/>
+              <a:t>I was fixing X, and accidentally broke Y</a:t>
+            </a:r>
+          </a:p>
+          <a:p>
+            <a:pPr lvl="1"/>
+            <a:r>
+              <a:rPr lang="en-US" dirty="0" smtClean="0"/>
+              <a:t>That bug was fixed, but now it’</a:t>
+            </a:r>
+            <a:r>
+              <a:rPr lang="en-US" altLang="ja-JP" dirty="0" smtClean="0"/>
+              <a:t>s back</a:t>
+            </a:r>
+          </a:p>
+          <a:p>
+            <a:r>
+              <a:rPr lang="en-US" dirty="0" smtClean="0"/>
+              <a:t>Tests must be re-run after any change </a:t>
+            </a:r>
+          </a:p>
+          <a:p>
+            <a:pPr lvl="1"/>
+            <a:r>
+              <a:rPr lang="en-US" dirty="0" smtClean="0"/>
+              <a:t>Adding new features</a:t>
+            </a:r>
+          </a:p>
+          <a:p>
+            <a:pPr lvl="1"/>
+            <a:r>
+              <a:rPr lang="en-US" dirty="0" smtClean="0"/>
+              <a:t>Changing, adapting software to new conditions</a:t>
+            </a:r>
+          </a:p>
+          <a:p>
+            <a:pPr lvl="1"/>
+            <a:r>
+              <a:rPr lang="en-US" dirty="0" smtClean="0"/>
+              <a:t>Fixing other bugs</a:t>
+            </a:r>
+          </a:p>
+          <a:p>
+            <a:r>
+              <a:rPr lang="en-US" dirty="0" smtClean="0"/>
+              <a:t>Regression testing can be a major cost of software maintenance</a:t>
+            </a:r>
+            <a:endParaRPr lang="en-US" dirty="0"/>
           </a:p>
         </p:txBody>
       </p:sp>
@@ -8976,7 +9268,7 @@
     </p:spTree>
     <p:extLst>
       <p:ext uri="{BB962C8B-B14F-4D97-AF65-F5344CB8AC3E}">
-        <p14:creationId xmlns:p14="http://schemas.microsoft.com/office/powerpoint/2010/main" val="2254257231"/>
+        <p14:creationId xmlns:p14="http://schemas.microsoft.com/office/powerpoint/2010/main" val="451919939"/>
       </p:ext>
     </p:extLst>
   </p:cSld>
@@ -9012,7 +9304,7 @@
       </p:grpSpPr>
       <p:sp>
         <p:nvSpPr>
-          <p:cNvPr id="39940" name="Title 1"/>
+          <p:cNvPr id="2" name="Title 1"/>
           <p:cNvSpPr>
             <a:spLocks noGrp="1"/>
           </p:cNvSpPr>
@@ -9027,7 +9319,7 @@
           <a:p>
             <a:r>
               <a:rPr lang="en-US" dirty="0" smtClean="0"/>
-              <a:t>Test Case Maintenance</a:t>
+              <a:t>Reasons</a:t>
             </a:r>
             <a:endParaRPr lang="en-US" dirty="0"/>
           </a:p>
@@ -9035,70 +9327,93 @@
       </p:sp>
       <p:sp>
         <p:nvSpPr>
-          <p:cNvPr id="39941" name="Content Placeholder 2"/>
-          <p:cNvSpPr>
-            <a:spLocks noGrp="1"/>
-          </p:cNvSpPr>
-          <p:nvPr>
-            <p:ph type="body" idx="1"/>
-          </p:nvPr>
-        </p:nvSpPr>
-        <p:spPr/>
-        <p:txBody>
-          <a:bodyPr/>
+          <p:cNvPr id="3" name="Content Placeholder 2"/>
+          <p:cNvSpPr>
+            <a:spLocks noGrp="1"/>
+          </p:cNvSpPr>
+          <p:nvPr>
+            <p:ph idx="1"/>
+          </p:nvPr>
+        </p:nvSpPr>
+        <p:spPr/>
+        <p:txBody>
+          <a:bodyPr>
+            <a:normAutofit/>
+          </a:bodyPr>
           <a:lstStyle/>
           <a:p>
             <a:r>
               <a:rPr lang="en-US" dirty="0" smtClean="0"/>
-              <a:t>Some maintenance is inevitable</a:t>
+              <a:t>Regression </a:t>
+            </a:r>
+            <a:r>
+              <a:rPr lang="en-US" dirty="0"/>
+              <a:t>testing is conducted to make sure that fixing one thing has not broken another thing. </a:t>
+            </a:r>
+            <a:endParaRPr lang="en-US" dirty="0" smtClean="0"/>
+          </a:p>
+          <a:p>
+            <a:r>
+              <a:rPr lang="en-US" dirty="0" smtClean="0"/>
+              <a:t>The </a:t>
+            </a:r>
+            <a:r>
+              <a:rPr lang="en-US" dirty="0"/>
+              <a:t>need for Regression Testing could arise due to any of the changes below:</a:t>
             </a:r>
           </a:p>
           <a:p>
             <a:pPr lvl="1"/>
             <a:r>
               <a:rPr lang="en-US" dirty="0" smtClean="0"/>
-              <a:t>If feature X has changed, test cases for feature X will require updating</a:t>
-            </a:r>
-          </a:p>
-          <a:p>
-            <a:r>
-              <a:rPr lang="en-US" dirty="0" smtClean="0"/>
-              <a:t>Some maintenance should be avoided</a:t>
+              <a:t>Defect </a:t>
+            </a:r>
+            <a:r>
+              <a:rPr lang="en-US" dirty="0"/>
+              <a:t>fix</a:t>
             </a:r>
           </a:p>
           <a:p>
             <a:pPr lvl="1"/>
             <a:r>
-              <a:rPr lang="en-US" dirty="0" smtClean="0"/>
-              <a:t>Example: Trivial changes to user interface or file format should not invalidate large numbers of test cases</a:t>
-            </a:r>
-          </a:p>
-          <a:p>
-            <a:r>
-              <a:rPr lang="en-US" dirty="0" smtClean="0"/>
-              <a:t>Test suites should be modular! </a:t>
+              <a:rPr lang="en-US" dirty="0"/>
+              <a:t>New feature</a:t>
             </a:r>
           </a:p>
           <a:p>
             <a:pPr lvl="1"/>
             <a:r>
-              <a:rPr lang="en-US" dirty="0" smtClean="0"/>
-              <a:t>Avoid unnecessary dependence</a:t>
+              <a:rPr lang="en-US" dirty="0"/>
+              <a:t>Change in an existing feature</a:t>
             </a:r>
           </a:p>
           <a:p>
             <a:pPr lvl="1"/>
             <a:r>
-              <a:rPr lang="en-US" dirty="0" smtClean="0"/>
-              <a:t>Generating concrete test cases from test case specifications can help</a:t>
-            </a:r>
-            <a:endParaRPr lang="en-US" dirty="0"/>
-          </a:p>
-        </p:txBody>
-      </p:sp>
-      <p:sp>
-        <p:nvSpPr>
-          <p:cNvPr id="2" name="Slide Number Placeholder 1"/>
+              <a:rPr lang="en-US" dirty="0"/>
+              <a:t>Code refactoring</a:t>
+            </a:r>
+          </a:p>
+          <a:p>
+            <a:pPr lvl="1"/>
+            <a:r>
+              <a:rPr lang="en-US" dirty="0"/>
+              <a:t>Change in technical design / architecture</a:t>
+            </a:r>
+          </a:p>
+          <a:p>
+            <a:pPr lvl="1"/>
+            <a:r>
+              <a:rPr lang="en-US" dirty="0"/>
+              <a:t>Change in configuration / environment (hardware, software, network)</a:t>
+            </a:r>
+            <a:endParaRPr lang="en-US" dirty="0" smtClean="0"/>
+          </a:p>
+        </p:txBody>
+      </p:sp>
+      <p:sp>
+        <p:nvSpPr>
+          <p:cNvPr id="4" name="Slide Number Placeholder 3"/>
           <p:cNvSpPr>
             <a:spLocks noGrp="1"/>
           </p:cNvSpPr>
@@ -9111,31 +9426,25 @@
           <a:bodyPr/>
           <a:lstStyle/>
           <a:p>
-            <a:fld id="{B543A0FD-1CA6-4228-86A2-78061B4844C8}" type="slidenum">
-              <a:rPr lang="en-US" smtClean="0"/>
+            <a:fld id="{B8DACC02-A2BD-4578-8E03-6D891060A695}" type="slidenum">
+              <a:rPr lang="en-US" smtClean="0"/>
+              <a:pPr/>
               <a:t>9</a:t>
             </a:fld>
-            <a:endParaRPr lang="en-US"/>
+            <a:endParaRPr lang="en-US" dirty="0"/>
           </a:p>
         </p:txBody>
       </p:sp>
     </p:spTree>
     <p:extLst>
       <p:ext uri="{BB962C8B-B14F-4D97-AF65-F5344CB8AC3E}">
-        <p14:creationId xmlns:p14="http://schemas.microsoft.com/office/powerpoint/2010/main" val="1999594997"/>
+        <p14:creationId xmlns:p14="http://schemas.microsoft.com/office/powerpoint/2010/main" val="3057407313"/>
       </p:ext>
     </p:extLst>
   </p:cSld>
   <p:clrMapOvr>
     <a:masterClrMapping/>
   </p:clrMapOvr>
-  <p:timing>
-    <p:tnLst>
-      <p:par>
-        <p:cTn id="1" dur="indefinite" restart="never" nodeType="tmRoot"/>
-      </p:par>
-    </p:tnLst>
-  </p:timing>
 </p:sld>
 </file>
 
